--- a/Later/Spring/4_Dependency_Injection/10/Constructor Injection with Collection having Dependent Object_list.pptx
+++ b/Later/Spring/4_Dependency_Injection/10/Constructor Injection with Collection having Dependent Object_list.pptx
@@ -196,7 +196,7 @@
           <a:p>
             <a:fld id="{62274EC6-3890-417B-9308-14EFBD00FA63}" type="datetimeFigureOut">
               <a:rPr lang="en-US" smtClean="0"/>
-              <a:t>1/2/2018</a:t>
+              <a:t>1/4/2018</a:t>
             </a:fld>
             <a:endParaRPr lang="en-US" dirty="0"/>
           </a:p>
@@ -1091,7 +1091,7 @@
             <a:fld id="{1D8BD707-D9CF-40AE-B4C6-C98DA3205C09}" type="datetimeFigureOut">
               <a:rPr lang="en-US" smtClean="0"/>
               <a:pPr/>
-              <a:t>1/2/2018</a:t>
+              <a:t>1/4/2018</a:t>
             </a:fld>
             <a:endParaRPr lang="en-US" dirty="0"/>
           </a:p>
@@ -1263,7 +1263,7 @@
             <a:fld id="{1D8BD707-D9CF-40AE-B4C6-C98DA3205C09}" type="datetimeFigureOut">
               <a:rPr lang="en-US" smtClean="0"/>
               <a:pPr/>
-              <a:t>1/2/2018</a:t>
+              <a:t>1/4/2018</a:t>
             </a:fld>
             <a:endParaRPr lang="en-US" dirty="0"/>
           </a:p>
@@ -1445,7 +1445,7 @@
             <a:fld id="{1D8BD707-D9CF-40AE-B4C6-C98DA3205C09}" type="datetimeFigureOut">
               <a:rPr lang="en-US" smtClean="0"/>
               <a:pPr/>
-              <a:t>1/2/2018</a:t>
+              <a:t>1/4/2018</a:t>
             </a:fld>
             <a:endParaRPr lang="en-US" dirty="0"/>
           </a:p>
@@ -1617,7 +1617,7 @@
             <a:fld id="{1D8BD707-D9CF-40AE-B4C6-C98DA3205C09}" type="datetimeFigureOut">
               <a:rPr lang="en-US" smtClean="0"/>
               <a:pPr/>
-              <a:t>1/2/2018</a:t>
+              <a:t>1/4/2018</a:t>
             </a:fld>
             <a:endParaRPr lang="en-US" dirty="0"/>
           </a:p>
@@ -1865,7 +1865,7 @@
             <a:fld id="{1D8BD707-D9CF-40AE-B4C6-C98DA3205C09}" type="datetimeFigureOut">
               <a:rPr lang="en-US" smtClean="0"/>
               <a:pPr/>
-              <a:t>1/2/2018</a:t>
+              <a:t>1/4/2018</a:t>
             </a:fld>
             <a:endParaRPr lang="en-US" dirty="0"/>
           </a:p>
@@ -2155,7 +2155,7 @@
             <a:fld id="{1D8BD707-D9CF-40AE-B4C6-C98DA3205C09}" type="datetimeFigureOut">
               <a:rPr lang="en-US" smtClean="0"/>
               <a:pPr/>
-              <a:t>1/2/2018</a:t>
+              <a:t>1/4/2018</a:t>
             </a:fld>
             <a:endParaRPr lang="en-US" dirty="0"/>
           </a:p>
@@ -2584,7 +2584,7 @@
             <a:fld id="{1D8BD707-D9CF-40AE-B4C6-C98DA3205C09}" type="datetimeFigureOut">
               <a:rPr lang="en-US" smtClean="0"/>
               <a:pPr/>
-              <a:t>1/2/2018</a:t>
+              <a:t>1/4/2018</a:t>
             </a:fld>
             <a:endParaRPr lang="en-US" dirty="0"/>
           </a:p>
@@ -2704,7 +2704,7 @@
             <a:fld id="{1D8BD707-D9CF-40AE-B4C6-C98DA3205C09}" type="datetimeFigureOut">
               <a:rPr lang="en-US" smtClean="0"/>
               <a:pPr/>
-              <a:t>1/2/2018</a:t>
+              <a:t>1/4/2018</a:t>
             </a:fld>
             <a:endParaRPr lang="en-US" dirty="0"/>
           </a:p>
@@ -2801,7 +2801,7 @@
             <a:fld id="{1D8BD707-D9CF-40AE-B4C6-C98DA3205C09}" type="datetimeFigureOut">
               <a:rPr lang="en-US" smtClean="0"/>
               <a:pPr/>
-              <a:t>1/2/2018</a:t>
+              <a:t>1/4/2018</a:t>
             </a:fld>
             <a:endParaRPr lang="en-US" dirty="0"/>
           </a:p>
@@ -3080,7 +3080,7 @@
             <a:fld id="{1D8BD707-D9CF-40AE-B4C6-C98DA3205C09}" type="datetimeFigureOut">
               <a:rPr lang="en-US" smtClean="0"/>
               <a:pPr/>
-              <a:t>1/2/2018</a:t>
+              <a:t>1/4/2018</a:t>
             </a:fld>
             <a:endParaRPr lang="en-US" dirty="0"/>
           </a:p>
@@ -3335,7 +3335,7 @@
             <a:fld id="{1D8BD707-D9CF-40AE-B4C6-C98DA3205C09}" type="datetimeFigureOut">
               <a:rPr lang="en-US" smtClean="0"/>
               <a:pPr/>
-              <a:t>1/2/2018</a:t>
+              <a:t>1/4/2018</a:t>
             </a:fld>
             <a:endParaRPr lang="en-US" dirty="0"/>
           </a:p>
@@ -3550,7 +3550,7 @@
             <a:fld id="{1D8BD707-D9CF-40AE-B4C6-C98DA3205C09}" type="datetimeFigureOut">
               <a:rPr lang="en-US" smtClean="0"/>
               <a:pPr/>
-              <a:t>1/2/2018</a:t>
+              <a:t>1/4/2018</a:t>
             </a:fld>
             <a:endParaRPr lang="en-US" dirty="0"/>
           </a:p>
@@ -4848,15 +4848,7 @@
             </a:pPr>
             <a:r>
               <a:rPr lang="en-US" sz="1200" dirty="0"/>
-              <a:t>The constructor-</a:t>
-            </a:r>
-            <a:r>
-              <a:rPr lang="en-US" sz="1200" dirty="0"/>
-              <a:t>arg</a:t>
-            </a:r>
-            <a:r>
-              <a:rPr lang="en-US" sz="1200" dirty="0"/>
-              <a:t> element invokes the constructor.The type attributes specifies that </a:t>
+              <a:t>The constructor-arg element invokes the constructor.The type attributes specifies that </a:t>
             </a:r>
             <a:r>
               <a:rPr lang="en-US" sz="1200" dirty="0">
@@ -4884,47 +4876,7 @@
                   <a:srgbClr val="FF0000"/>
                 </a:solidFill>
               </a:rPr>
-              <a:t>FruitShop</a:t>
-            </a:r>
-            <a:r>
-              <a:rPr lang="en-US" sz="1200" dirty="0">
-                <a:solidFill>
-                  <a:srgbClr val="FF0000"/>
-                </a:solidFill>
-              </a:rPr>
-              <a:t>(String </a:t>
-            </a:r>
-            <a:r>
-              <a:rPr lang="en-US" sz="1200" dirty="0">
-                <a:solidFill>
-                  <a:srgbClr val="FF0000"/>
-                </a:solidFill>
-              </a:rPr>
-              <a:t>shopName</a:t>
-            </a:r>
-            <a:r>
-              <a:rPr lang="en-US" sz="1200" dirty="0">
-                <a:solidFill>
-                  <a:srgbClr val="FF0000"/>
-                </a:solidFill>
-              </a:rPr>
-              <a:t>, List&lt;Fruit&gt; </a:t>
-            </a:r>
-            <a:r>
-              <a:rPr lang="en-US" sz="1200" dirty="0">
-                <a:solidFill>
-                  <a:srgbClr val="FF0000"/>
-                </a:solidFill>
-              </a:rPr>
-              <a:t>listOfAvailableFruits</a:t>
-            </a:r>
-            <a:r>
-              <a:rPr lang="en-US" sz="1200" dirty="0">
-                <a:solidFill>
-                  <a:srgbClr val="FF0000"/>
-                </a:solidFill>
-              </a:rPr>
-              <a:t>) </a:t>
+              <a:t>FruitShop(String shopName, List&lt;Fruit&gt; listOfAvailableFruits) </a:t>
             </a:r>
             <a:r>
               <a:rPr lang="en-US" sz="1200" dirty="0" smtClean="0"/>
@@ -4950,13 +4902,13 @@
         </p:nvSpPr>
         <p:spPr>
           <a:xfrm>
-            <a:off x="5333999" y="3733800"/>
+            <a:off x="5333999" y="3518568"/>
             <a:ext cx="3076575" cy="579585"/>
           </a:xfrm>
           <a:prstGeom prst="wedgeRoundRectCallout">
             <a:avLst>
-              <a:gd name="adj1" fmla="val -175396"/>
-              <a:gd name="adj2" fmla="val 2913"/>
+              <a:gd name="adj1" fmla="val -169204"/>
+              <a:gd name="adj2" fmla="val 43998"/>
               <a:gd name="adj3" fmla="val 16667"/>
             </a:avLst>
           </a:prstGeom>
@@ -4998,15 +4950,7 @@
             </a:r>
             <a:r>
               <a:rPr lang="en-US" sz="1200" dirty="0"/>
-              <a:t> element of constructor-</a:t>
-            </a:r>
-            <a:r>
-              <a:rPr lang="en-US" sz="1200" dirty="0"/>
-              <a:t>arg</a:t>
-            </a:r>
-            <a:r>
-              <a:rPr lang="en-US" sz="1200" dirty="0"/>
-              <a:t> is used here to define the </a:t>
+              <a:t> element of constructor-arg is used here to define the </a:t>
             </a:r>
             <a:r>
               <a:rPr lang="en-US" sz="1200" dirty="0">
@@ -5020,7 +4964,6 @@
               <a:rPr lang="en-US" sz="1200" dirty="0"/>
               <a:t>.</a:t>
             </a:r>
-            <a:endParaRPr lang="en-US" sz="1200" dirty="0"/>
           </a:p>
         </p:txBody>
       </p:sp>
@@ -5063,6 +5006,181 @@
             <a:r>
               <a:rPr lang="en-US" sz="1200" dirty="0"/>
               <a:t>Constructor Injection with Collection(List) having Dependent Object</a:t>
+            </a:r>
+          </a:p>
+        </p:txBody>
+      </p:sp>
+      <p:sp>
+        <p:nvSpPr>
+          <p:cNvPr id="10" name="Rounded Rectangular Callout 9"/>
+          <p:cNvSpPr/>
+          <p:nvPr/>
+        </p:nvSpPr>
+        <p:spPr>
+          <a:xfrm>
+            <a:off x="5362574" y="4191000"/>
+            <a:ext cx="3657600" cy="753377"/>
+          </a:xfrm>
+          <a:prstGeom prst="wedgeRoundRectCallout">
+            <a:avLst>
+              <a:gd name="adj1" fmla="val -131123"/>
+              <a:gd name="adj2" fmla="val -37287"/>
+              <a:gd name="adj3" fmla="val 16667"/>
+            </a:avLst>
+          </a:prstGeom>
+          <a:ln w="3175"/>
+        </p:spPr>
+        <p:style>
+          <a:lnRef idx="2">
+            <a:schemeClr val="accent4"/>
+          </a:lnRef>
+          <a:fillRef idx="1">
+            <a:schemeClr val="lt1"/>
+          </a:fillRef>
+          <a:effectRef idx="0">
+            <a:schemeClr val="accent4"/>
+          </a:effectRef>
+          <a:fontRef idx="minor">
+            <a:schemeClr val="dk1"/>
+          </a:fontRef>
+        </p:style>
+        <p:txBody>
+          <a:bodyPr rtlCol="0" anchor="ctr"/>
+          <a:lstStyle>
+            <a:defPPr>
+              <a:defRPr lang="en-US"/>
+            </a:defPPr>
+            <a:lvl1pPr marL="0" algn="l" defTabSz="914400" rtl="0" eaLnBrk="1" latinLnBrk="0" hangingPunct="1">
+              <a:defRPr sz="1800" kern="1200">
+                <a:solidFill>
+                  <a:schemeClr val="dk1"/>
+                </a:solidFill>
+                <a:latin typeface="+mn-lt"/>
+                <a:ea typeface="+mn-ea"/>
+                <a:cs typeface="+mn-cs"/>
+              </a:defRPr>
+            </a:lvl1pPr>
+            <a:lvl2pPr marL="457200" algn="l" defTabSz="914400" rtl="0" eaLnBrk="1" latinLnBrk="0" hangingPunct="1">
+              <a:defRPr sz="1800" kern="1200">
+                <a:solidFill>
+                  <a:schemeClr val="dk1"/>
+                </a:solidFill>
+                <a:latin typeface="+mn-lt"/>
+                <a:ea typeface="+mn-ea"/>
+                <a:cs typeface="+mn-cs"/>
+              </a:defRPr>
+            </a:lvl2pPr>
+            <a:lvl3pPr marL="914400" algn="l" defTabSz="914400" rtl="0" eaLnBrk="1" latinLnBrk="0" hangingPunct="1">
+              <a:defRPr sz="1800" kern="1200">
+                <a:solidFill>
+                  <a:schemeClr val="dk1"/>
+                </a:solidFill>
+                <a:latin typeface="+mn-lt"/>
+                <a:ea typeface="+mn-ea"/>
+                <a:cs typeface="+mn-cs"/>
+              </a:defRPr>
+            </a:lvl3pPr>
+            <a:lvl4pPr marL="1371600" algn="l" defTabSz="914400" rtl="0" eaLnBrk="1" latinLnBrk="0" hangingPunct="1">
+              <a:defRPr sz="1800" kern="1200">
+                <a:solidFill>
+                  <a:schemeClr val="dk1"/>
+                </a:solidFill>
+                <a:latin typeface="+mn-lt"/>
+                <a:ea typeface="+mn-ea"/>
+                <a:cs typeface="+mn-cs"/>
+              </a:defRPr>
+            </a:lvl4pPr>
+            <a:lvl5pPr marL="1828800" algn="l" defTabSz="914400" rtl="0" eaLnBrk="1" latinLnBrk="0" hangingPunct="1">
+              <a:defRPr sz="1800" kern="1200">
+                <a:solidFill>
+                  <a:schemeClr val="dk1"/>
+                </a:solidFill>
+                <a:latin typeface="+mn-lt"/>
+                <a:ea typeface="+mn-ea"/>
+                <a:cs typeface="+mn-cs"/>
+              </a:defRPr>
+            </a:lvl5pPr>
+            <a:lvl6pPr marL="2286000" algn="l" defTabSz="914400" rtl="0" eaLnBrk="1" latinLnBrk="0" hangingPunct="1">
+              <a:defRPr sz="1800" kern="1200">
+                <a:solidFill>
+                  <a:schemeClr val="dk1"/>
+                </a:solidFill>
+                <a:latin typeface="+mn-lt"/>
+                <a:ea typeface="+mn-ea"/>
+                <a:cs typeface="+mn-cs"/>
+              </a:defRPr>
+            </a:lvl6pPr>
+            <a:lvl7pPr marL="2743200" algn="l" defTabSz="914400" rtl="0" eaLnBrk="1" latinLnBrk="0" hangingPunct="1">
+              <a:defRPr sz="1800" kern="1200">
+                <a:solidFill>
+                  <a:schemeClr val="dk1"/>
+                </a:solidFill>
+                <a:latin typeface="+mn-lt"/>
+                <a:ea typeface="+mn-ea"/>
+                <a:cs typeface="+mn-cs"/>
+              </a:defRPr>
+            </a:lvl7pPr>
+            <a:lvl8pPr marL="3200400" algn="l" defTabSz="914400" rtl="0" eaLnBrk="1" latinLnBrk="0" hangingPunct="1">
+              <a:defRPr sz="1800" kern="1200">
+                <a:solidFill>
+                  <a:schemeClr val="dk1"/>
+                </a:solidFill>
+                <a:latin typeface="+mn-lt"/>
+                <a:ea typeface="+mn-ea"/>
+                <a:cs typeface="+mn-cs"/>
+              </a:defRPr>
+            </a:lvl8pPr>
+            <a:lvl9pPr marL="3657600" algn="l" defTabSz="914400" rtl="0" eaLnBrk="1" latinLnBrk="0" hangingPunct="1">
+              <a:defRPr sz="1800" kern="1200">
+                <a:solidFill>
+                  <a:schemeClr val="dk1"/>
+                </a:solidFill>
+                <a:latin typeface="+mn-lt"/>
+                <a:ea typeface="+mn-ea"/>
+                <a:cs typeface="+mn-cs"/>
+              </a:defRPr>
+            </a:lvl9pPr>
+          </a:lstStyle>
+          <a:p>
+            <a:r>
+              <a:rPr lang="en-US" sz="1200" dirty="0"/>
+              <a:t>The </a:t>
+            </a:r>
+            <a:r>
+              <a:rPr lang="en-US" sz="1200" b="1" dirty="0">
+                <a:solidFill>
+                  <a:srgbClr val="FF0000"/>
+                </a:solidFill>
+              </a:rPr>
+              <a:t>ref</a:t>
+            </a:r>
+            <a:r>
+              <a:rPr lang="en-US" sz="1200" dirty="0"/>
+              <a:t> element is used to define the reference of another bean. Here, we are using </a:t>
+            </a:r>
+            <a:r>
+              <a:rPr lang="en-US" sz="1200" b="1" dirty="0">
+                <a:solidFill>
+                  <a:srgbClr val="FF0000"/>
+                </a:solidFill>
+              </a:rPr>
+              <a:t>bean</a:t>
+            </a:r>
+            <a:r>
+              <a:rPr lang="en-US" sz="1200" dirty="0"/>
+              <a:t> attribute of </a:t>
+            </a:r>
+            <a:r>
+              <a:rPr lang="en-US" sz="1200" b="1" dirty="0">
+                <a:solidFill>
+                  <a:srgbClr val="FF0000"/>
+                </a:solidFill>
+              </a:rPr>
+              <a:t>ref</a:t>
+            </a:r>
+            <a:r>
+              <a:rPr lang="en-US" sz="1200" dirty="0"/>
+              <a:t> element to specify the reference of another bean</a:t>
             </a:r>
           </a:p>
         </p:txBody>
@@ -5593,22 +5711,13 @@
           <a:p>
             <a:r>
               <a:rPr lang="en-US" sz="800" dirty="0"/>
-              <a:t>shopName</a:t>
-            </a:r>
-            <a:r>
-              <a:rPr lang="en-US" sz="800" dirty="0"/>
-              <a:t>=Fruit Mart, </a:t>
-            </a:r>
-            <a:endParaRPr lang="en-US" sz="800" dirty="0"/>
+              <a:t>shopName=Fruit Mart, </a:t>
+            </a:r>
           </a:p>
           <a:p>
             <a:r>
               <a:rPr lang="en-US" sz="800" dirty="0" smtClean="0"/>
-              <a:t>listOfAvailableFruits</a:t>
-            </a:r>
-            <a:r>
-              <a:rPr lang="en-US" sz="800" dirty="0" smtClean="0"/>
-              <a:t>=</a:t>
+              <a:t>listOfAvailableFruits=</a:t>
             </a:r>
           </a:p>
           <a:p>
@@ -5631,7 +5740,6 @@
               <a:rPr lang="en-US" sz="800" dirty="0"/>
               <a:t>[name=Grapes, color=Violet]]</a:t>
             </a:r>
-            <a:endParaRPr lang="en-US" sz="800" dirty="0"/>
           </a:p>
         </p:txBody>
       </p:sp>
